--- a/ProjectProposal/Mst. Farhana Akter (1287997).pptx
+++ b/ProjectProposal/Mst. Farhana Akter (1287997).pptx
@@ -237,7 +237,7 @@
           <a:p>
             <a:fld id="{1EBEDD12-BCD5-485B-BCBC-34BB01D7923C}" type="datetimeFigureOut">
               <a:rPr lang="en-US" smtClean="0"/>
-              <a:t>8/15/2025</a:t>
+              <a:t>8/19/2025</a:t>
             </a:fld>
             <a:endParaRPr lang="en-US" dirty="0"/>
           </a:p>
@@ -451,7 +451,7 @@
           <a:p>
             <a:fld id="{6EE7A52F-9D89-7442-A8E9-48D1527B5F6B}" type="datetimeFigureOut">
               <a:rPr lang="en-US" smtClean="0"/>
-              <a:t>8/15/2025</a:t>
+              <a:t>8/19/2025</a:t>
             </a:fld>
             <a:endParaRPr lang="en-US" dirty="0"/>
           </a:p>
@@ -2073,7 +2073,7 @@
                 <a16:creationId xmlns:a16="http://schemas.microsoft.com/office/drawing/2014/main" id="{C26C18C3-ED25-DD4B-BA72-24932D54DE37}"/>
               </a:ext>
               <a:ext uri="{C183D7F6-B498-43B3-948B-1728B52AA6E4}">
-                <adec:decorative xmlns:adec="http://schemas.microsoft.com/office/drawing/2017/decorative" xmlns="" val="1"/>
+                <adec:decorative xmlns="" xmlns:adec="http://schemas.microsoft.com/office/drawing/2017/decorative" val="1"/>
               </a:ext>
             </a:extLst>
           </p:cNvPr>
@@ -2405,7 +2405,7 @@
                 <a16:creationId xmlns:a16="http://schemas.microsoft.com/office/drawing/2014/main" id="{A69706A2-3726-FE4E-B923-E75D48597816}"/>
               </a:ext>
               <a:ext uri="{C183D7F6-B498-43B3-948B-1728B52AA6E4}">
-                <adec:decorative xmlns:adec="http://schemas.microsoft.com/office/drawing/2017/decorative" xmlns="" val="1"/>
+                <adec:decorative xmlns="" xmlns:adec="http://schemas.microsoft.com/office/drawing/2017/decorative" val="1"/>
               </a:ext>
             </a:extLst>
           </p:cNvPr>
@@ -2491,7 +2491,7 @@
                 <a16:creationId xmlns:a16="http://schemas.microsoft.com/office/drawing/2014/main" id="{CF555767-B3D8-BD57-1D42-7F6E1E66892B}"/>
               </a:ext>
               <a:ext uri="{C183D7F6-B498-43B3-948B-1728B52AA6E4}">
-                <adec:decorative xmlns:adec="http://schemas.microsoft.com/office/drawing/2017/decorative" xmlns="" val="1"/>
+                <adec:decorative xmlns="" xmlns:adec="http://schemas.microsoft.com/office/drawing/2017/decorative" val="1"/>
               </a:ext>
             </a:extLst>
           </p:cNvPr>
@@ -2870,7 +2870,7 @@
                 <a16:creationId xmlns:a16="http://schemas.microsoft.com/office/drawing/2014/main" id="{E66081BA-9135-73B1-DCE5-77FD12431F13}"/>
               </a:ext>
               <a:ext uri="{C183D7F6-B498-43B3-948B-1728B52AA6E4}">
-                <adec:decorative xmlns:adec="http://schemas.microsoft.com/office/drawing/2017/decorative" xmlns="" val="1"/>
+                <adec:decorative xmlns="" xmlns:adec="http://schemas.microsoft.com/office/drawing/2017/decorative" val="1"/>
               </a:ext>
             </a:extLst>
           </p:cNvPr>
@@ -3263,7 +3263,7 @@
                 <a16:creationId xmlns:a16="http://schemas.microsoft.com/office/drawing/2014/main" id="{C97D5AF2-684A-4A8D-3D82-B57D7AC44677}"/>
               </a:ext>
               <a:ext uri="{C183D7F6-B498-43B3-948B-1728B52AA6E4}">
-                <adec:decorative xmlns:adec="http://schemas.microsoft.com/office/drawing/2017/decorative" xmlns="" val="1"/>
+                <adec:decorative xmlns="" xmlns:adec="http://schemas.microsoft.com/office/drawing/2017/decorative" val="1"/>
               </a:ext>
             </a:extLst>
           </p:cNvPr>
@@ -3642,7 +3642,7 @@
                 <a16:creationId xmlns:a16="http://schemas.microsoft.com/office/drawing/2014/main" id="{E66081BA-9135-73B1-DCE5-77FD12431F13}"/>
               </a:ext>
               <a:ext uri="{C183D7F6-B498-43B3-948B-1728B52AA6E4}">
-                <adec:decorative xmlns:adec="http://schemas.microsoft.com/office/drawing/2017/decorative" xmlns="" val="1"/>
+                <adec:decorative xmlns="" xmlns:adec="http://schemas.microsoft.com/office/drawing/2017/decorative" val="1"/>
               </a:ext>
             </a:extLst>
           </p:cNvPr>
@@ -4177,7 +4177,7 @@
                 <a16:creationId xmlns:a16="http://schemas.microsoft.com/office/drawing/2014/main" id="{E66081BA-9135-73B1-DCE5-77FD12431F13}"/>
               </a:ext>
               <a:ext uri="{C183D7F6-B498-43B3-948B-1728B52AA6E4}">
-                <adec:decorative xmlns:adec="http://schemas.microsoft.com/office/drawing/2017/decorative" xmlns="" val="1"/>
+                <adec:decorative xmlns="" xmlns:adec="http://schemas.microsoft.com/office/drawing/2017/decorative" val="1"/>
               </a:ext>
             </a:extLst>
           </p:cNvPr>
@@ -4364,7 +4364,7 @@
                 <a16:creationId xmlns:a16="http://schemas.microsoft.com/office/drawing/2014/main" id="{C26C18C3-ED25-DD4B-BA72-24932D54DE37}"/>
               </a:ext>
               <a:ext uri="{C183D7F6-B498-43B3-948B-1728B52AA6E4}">
-                <adec:decorative xmlns:adec="http://schemas.microsoft.com/office/drawing/2017/decorative" xmlns="" val="1"/>
+                <adec:decorative xmlns="" xmlns:adec="http://schemas.microsoft.com/office/drawing/2017/decorative" val="1"/>
               </a:ext>
             </a:extLst>
           </p:cNvPr>
@@ -4756,7 +4756,7 @@
                 <a16:creationId xmlns:a16="http://schemas.microsoft.com/office/drawing/2014/main" id="{58B149C6-5AAC-B8E5-5411-EA38821F6754}"/>
               </a:ext>
               <a:ext uri="{C183D7F6-B498-43B3-948B-1728B52AA6E4}">
-                <adec:decorative xmlns:adec="http://schemas.microsoft.com/office/drawing/2017/decorative" xmlns="" val="1"/>
+                <adec:decorative xmlns="" xmlns:adec="http://schemas.microsoft.com/office/drawing/2017/decorative" val="1"/>
               </a:ext>
             </a:extLst>
           </p:cNvPr>
@@ -4834,7 +4834,7 @@
                 <a16:creationId xmlns:a16="http://schemas.microsoft.com/office/drawing/2014/main" id="{806C6F65-35CD-D64B-992A-0C1C1E00384D}"/>
               </a:ext>
               <a:ext uri="{C183D7F6-B498-43B3-948B-1728B52AA6E4}">
-                <adec:decorative xmlns:adec="http://schemas.microsoft.com/office/drawing/2017/decorative" xmlns="" val="1"/>
+                <adec:decorative xmlns="" xmlns:adec="http://schemas.microsoft.com/office/drawing/2017/decorative" val="1"/>
               </a:ext>
             </a:extLst>
           </p:cNvPr>
@@ -5642,7 +5642,7 @@
                 <a16:creationId xmlns:a16="http://schemas.microsoft.com/office/drawing/2014/main" id="{979826C1-7A52-DA25-F422-EE62DED7D1B6}"/>
               </a:ext>
               <a:ext uri="{C183D7F6-B498-43B3-948B-1728B52AA6E4}">
-                <adec:decorative xmlns:adec="http://schemas.microsoft.com/office/drawing/2017/decorative" xmlns="" val="1"/>
+                <adec:decorative xmlns="" xmlns:adec="http://schemas.microsoft.com/office/drawing/2017/decorative" val="1"/>
               </a:ext>
             </a:extLst>
           </p:cNvPr>
@@ -5899,7 +5899,7 @@
                 <a16:creationId xmlns:a16="http://schemas.microsoft.com/office/drawing/2014/main" id="{D96BA398-1ED2-1FCA-63B9-8915A8C7A524}"/>
               </a:ext>
               <a:ext uri="{C183D7F6-B498-43B3-948B-1728B52AA6E4}">
-                <adec:decorative xmlns:adec="http://schemas.microsoft.com/office/drawing/2017/decorative" xmlns="" val="1"/>
+                <adec:decorative xmlns="" xmlns:adec="http://schemas.microsoft.com/office/drawing/2017/decorative" val="1"/>
               </a:ext>
             </a:extLst>
           </p:cNvPr>
@@ -6169,7 +6169,7 @@
                 <a16:creationId xmlns:a16="http://schemas.microsoft.com/office/drawing/2014/main" id="{29169ED6-4B82-6844-119F-AC15CDF2D3E5}"/>
               </a:ext>
               <a:ext uri="{C183D7F6-B498-43B3-948B-1728B52AA6E4}">
-                <adec:decorative xmlns:adec="http://schemas.microsoft.com/office/drawing/2017/decorative" xmlns="" val="1"/>
+                <adec:decorative xmlns="" xmlns:adec="http://schemas.microsoft.com/office/drawing/2017/decorative" val="1"/>
               </a:ext>
             </a:extLst>
           </p:cNvPr>
@@ -6255,7 +6255,7 @@
                 <a16:creationId xmlns:a16="http://schemas.microsoft.com/office/drawing/2014/main" id="{C57F1500-1A16-D1EF-4F0C-030852B291FC}"/>
               </a:ext>
               <a:ext uri="{C183D7F6-B498-43B3-948B-1728B52AA6E4}">
-                <adec:decorative xmlns:adec="http://schemas.microsoft.com/office/drawing/2017/decorative" xmlns="" val="1"/>
+                <adec:decorative xmlns="" xmlns:adec="http://schemas.microsoft.com/office/drawing/2017/decorative" val="1"/>
               </a:ext>
             </a:extLst>
           </p:cNvPr>
@@ -6303,7 +6303,7 @@
                 <a16:creationId xmlns:a16="http://schemas.microsoft.com/office/drawing/2014/main" id="{2D07A0BE-3890-193E-9439-F294E61A71B9}"/>
               </a:ext>
               <a:ext uri="{C183D7F6-B498-43B3-948B-1728B52AA6E4}">
-                <adec:decorative xmlns:adec="http://schemas.microsoft.com/office/drawing/2017/decorative" xmlns="" val="1"/>
+                <adec:decorative xmlns="" xmlns:adec="http://schemas.microsoft.com/office/drawing/2017/decorative" val="1"/>
               </a:ext>
             </a:extLst>
           </p:cNvPr>
@@ -6984,7 +6984,7 @@
                 <a16:creationId xmlns:a16="http://schemas.microsoft.com/office/drawing/2014/main" id="{C26C18C3-ED25-DD4B-BA72-24932D54DE37}"/>
               </a:ext>
               <a:ext uri="{C183D7F6-B498-43B3-948B-1728B52AA6E4}">
-                <adec:decorative xmlns:adec="http://schemas.microsoft.com/office/drawing/2017/decorative" xmlns="" val="1"/>
+                <adec:decorative xmlns="" xmlns:adec="http://schemas.microsoft.com/office/drawing/2017/decorative" val="1"/>
               </a:ext>
             </a:extLst>
           </p:cNvPr>
@@ -7316,7 +7316,7 @@
                 <a16:creationId xmlns:a16="http://schemas.microsoft.com/office/drawing/2014/main" id="{A69706A2-3726-FE4E-B923-E75D48597816}"/>
               </a:ext>
               <a:ext uri="{C183D7F6-B498-43B3-948B-1728B52AA6E4}">
-                <adec:decorative xmlns:adec="http://schemas.microsoft.com/office/drawing/2017/decorative" xmlns="" val="1"/>
+                <adec:decorative xmlns="" xmlns:adec="http://schemas.microsoft.com/office/drawing/2017/decorative" val="1"/>
               </a:ext>
             </a:extLst>
           </p:cNvPr>
@@ -7462,7 +7462,7 @@
                 <a16:creationId xmlns:a16="http://schemas.microsoft.com/office/drawing/2014/main" id="{C97D5AF2-684A-4A8D-3D82-B57D7AC44677}"/>
               </a:ext>
               <a:ext uri="{C183D7F6-B498-43B3-948B-1728B52AA6E4}">
-                <adec:decorative xmlns:adec="http://schemas.microsoft.com/office/drawing/2017/decorative" xmlns="" val="1"/>
+                <adec:decorative xmlns="" xmlns:adec="http://schemas.microsoft.com/office/drawing/2017/decorative" val="1"/>
               </a:ext>
             </a:extLst>
           </p:cNvPr>
@@ -8094,7 +8094,7 @@
                 <a16:creationId xmlns:a16="http://schemas.microsoft.com/office/drawing/2014/main" id="{E66081BA-9135-73B1-DCE5-77FD12431F13}"/>
               </a:ext>
               <a:ext uri="{C183D7F6-B498-43B3-948B-1728B52AA6E4}">
-                <adec:decorative xmlns:adec="http://schemas.microsoft.com/office/drawing/2017/decorative" xmlns="" val="1"/>
+                <adec:decorative xmlns="" xmlns:adec="http://schemas.microsoft.com/office/drawing/2017/decorative" val="1"/>
               </a:ext>
             </a:extLst>
           </p:cNvPr>
@@ -8231,7 +8231,7 @@
                 <a16:creationId xmlns:a16="http://schemas.microsoft.com/office/drawing/2014/main" id="{42E558A9-6DD6-E21D-3A8F-6707E1DD19F1}"/>
               </a:ext>
               <a:ext uri="{C183D7F6-B498-43B3-948B-1728B52AA6E4}">
-                <adec:decorative xmlns:adec="http://schemas.microsoft.com/office/drawing/2017/decorative" xmlns="" val="1"/>
+                <adec:decorative xmlns="" xmlns:adec="http://schemas.microsoft.com/office/drawing/2017/decorative" val="1"/>
               </a:ext>
             </a:extLst>
           </p:cNvPr>
@@ -8874,7 +8874,7 @@
                 <a16:creationId xmlns:a16="http://schemas.microsoft.com/office/drawing/2014/main" id="{E66081BA-9135-73B1-DCE5-77FD12431F13}"/>
               </a:ext>
               <a:ext uri="{C183D7F6-B498-43B3-948B-1728B52AA6E4}">
-                <adec:decorative xmlns:adec="http://schemas.microsoft.com/office/drawing/2017/decorative" xmlns="" val="1"/>
+                <adec:decorative xmlns="" xmlns:adec="http://schemas.microsoft.com/office/drawing/2017/decorative" val="1"/>
               </a:ext>
             </a:extLst>
           </p:cNvPr>
@@ -9406,7 +9406,7 @@
                 <a16:creationId xmlns:a16="http://schemas.microsoft.com/office/drawing/2014/main" id="{E66081BA-9135-73B1-DCE5-77FD12431F13}"/>
               </a:ext>
               <a:ext uri="{C183D7F6-B498-43B3-948B-1728B52AA6E4}">
-                <adec:decorative xmlns:adec="http://schemas.microsoft.com/office/drawing/2017/decorative" xmlns="" val="1"/>
+                <adec:decorative xmlns="" xmlns:adec="http://schemas.microsoft.com/office/drawing/2017/decorative" val="1"/>
               </a:ext>
             </a:extLst>
           </p:cNvPr>
@@ -10459,7 +10459,7 @@
         </p:nvSpPr>
         <p:spPr>
           <a:xfrm>
-            <a:off x="5056471" y="125129"/>
+            <a:off x="4798193" y="429929"/>
             <a:ext cx="2595613" cy="400110"/>
           </a:xfrm>
           <a:prstGeom prst="rect">
@@ -10507,7 +10507,7 @@
         </p:blipFill>
         <p:spPr>
           <a:xfrm>
-            <a:off x="2090686" y="1104480"/>
+            <a:off x="2090686" y="1428330"/>
             <a:ext cx="8527181" cy="5143500"/>
           </a:xfrm>
           <a:prstGeom prst="rect">
@@ -11550,7 +11550,7 @@
                 <a16:creationId xmlns:a16="http://schemas.microsoft.com/office/drawing/2014/main" id="{BF27D575-E3E9-5995-9A6D-A8A8E09E9534}"/>
               </a:ext>
               <a:ext uri="{C183D7F6-B498-43B3-948B-1728B52AA6E4}">
-                <adec:decorative xmlns:adec="http://schemas.microsoft.com/office/drawing/2017/decorative" xmlns="" val="1"/>
+                <adec:decorative xmlns="" xmlns:adec="http://schemas.microsoft.com/office/drawing/2017/decorative" val="1"/>
               </a:ext>
             </a:extLst>
           </p:cNvPr>
@@ -12589,7 +12589,7 @@
                 <a16:creationId xmlns:a16="http://schemas.microsoft.com/office/drawing/2014/main" id="{BA708D1E-3848-7B29-6823-09C0EF908D6E}"/>
               </a:ext>
               <a:ext uri="{C183D7F6-B498-43B3-948B-1728B52AA6E4}">
-                <adec:decorative xmlns:adec="http://schemas.microsoft.com/office/drawing/2017/decorative" xmlns="" val="1"/>
+                <adec:decorative xmlns="" xmlns:adec="http://schemas.microsoft.com/office/drawing/2017/decorative" val="1"/>
               </a:ext>
             </a:extLst>
           </p:cNvPr>
@@ -15911,7 +15911,7 @@
           <a:blip r:embed="rId3">
             <a:extLst>
               <a:ext uri="{96DAC541-7B7A-43D3-8B79-37D633B846F1}">
-                <asvg:svgBlip xmlns:asvg="http://schemas.microsoft.com/office/drawing/2016/SVG/main" xmlns="" r:embed="rId4"/>
+                <asvg:svgBlip xmlns="" xmlns:asvg="http://schemas.microsoft.com/office/drawing/2016/SVG/main" r:embed="rId4"/>
               </a:ext>
             </a:extLst>
           </a:blip>
@@ -15947,7 +15947,7 @@
           <a:blip r:embed="rId3">
             <a:extLst>
               <a:ext uri="{96DAC541-7B7A-43D3-8B79-37D633B846F1}">
-                <asvg:svgBlip xmlns:asvg="http://schemas.microsoft.com/office/drawing/2016/SVG/main" xmlns="" r:embed="rId4"/>
+                <asvg:svgBlip xmlns="" xmlns:asvg="http://schemas.microsoft.com/office/drawing/2016/SVG/main" r:embed="rId4"/>
               </a:ext>
             </a:extLst>
           </a:blip>
@@ -15983,7 +15983,7 @@
           <a:blip r:embed="rId3">
             <a:extLst>
               <a:ext uri="{96DAC541-7B7A-43D3-8B79-37D633B846F1}">
-                <asvg:svgBlip xmlns:asvg="http://schemas.microsoft.com/office/drawing/2016/SVG/main" xmlns="" r:embed="rId4"/>
+                <asvg:svgBlip xmlns="" xmlns:asvg="http://schemas.microsoft.com/office/drawing/2016/SVG/main" r:embed="rId4"/>
               </a:ext>
             </a:extLst>
           </a:blip>
@@ -19320,15 +19320,6 @@
 </file>
 
 <file path=customXml/item1.xml><?xml version="1.0" encoding="utf-8"?>
-<?mso-contentType ?>
-<FormTemplates xmlns="http://schemas.microsoft.com/sharepoint/v3/contenttype/forms">
-  <Display>DocumentLibraryForm</Display>
-  <Edit>DocumentLibraryForm</Edit>
-  <New>DocumentLibraryForm</New>
-</FormTemplates>
-</file>
-
-<file path=customXml/item2.xml><?xml version="1.0" encoding="utf-8"?>
 <ct:contentTypeSchema xmlns:ct="http://schemas.microsoft.com/office/2006/metadata/contentType" xmlns:ma="http://schemas.microsoft.com/office/2006/metadata/properties/metaAttributes" ct:_="" ma:_="" ma:contentTypeName="Document" ma:contentTypeID="0x01010079F111ED35F8CC479449609E8A0923A6" ma:contentTypeVersion="28" ma:contentTypeDescription="Create a new document." ma:contentTypeScope="" ma:versionID="60f5a4f2d2b0abadcf532d48ebf9cb71">
   <xsd:schema xmlns:xsd="http://www.w3.org/2001/XMLSchema" xmlns:xs="http://www.w3.org/2001/XMLSchema" xmlns:p="http://schemas.microsoft.com/office/2006/metadata/properties" xmlns:ns1="http://schemas.microsoft.com/sharepoint/v3" xmlns:ns2="71af3243-3dd4-4a8d-8c0d-dd76da1f02a5" xmlns:ns3="16c05727-aa75-4e4a-9b5f-8a80a1165891" xmlns:ns4="230e9df3-be65-4c73-a93b-d1236ebd677e" targetNamespace="http://schemas.microsoft.com/office/2006/metadata/properties" ma:root="true" ma:fieldsID="7dd78129e6a1811f84807ad11c651531" ns1:_="" ns2:_="" ns3:_="" ns4:_="">
     <xsd:import namespace="http://schemas.microsoft.com/sharepoint/v3"/>
@@ -19640,6 +19631,15 @@
 </ct:contentTypeSchema>
 </file>
 
+<file path=customXml/item2.xml><?xml version="1.0" encoding="utf-8"?>
+<?mso-contentType ?>
+<FormTemplates xmlns="http://schemas.microsoft.com/sharepoint/v3/contenttype/forms">
+  <Display>DocumentLibraryForm</Display>
+  <Edit>DocumentLibraryForm</Edit>
+  <New>DocumentLibraryForm</New>
+</FormTemplates>
+</file>
+
 <file path=customXml/item3.xml><?xml version="1.0" encoding="utf-8"?>
 <p:properties xmlns:p="http://schemas.microsoft.com/office/2006/metadata/properties" xmlns:xsi="http://www.w3.org/2001/XMLSchema-instance" xmlns:pc="http://schemas.microsoft.com/office/infopath/2007/PartnerControls">
   <documentManagement>
@@ -19661,14 +19661,6 @@
 </file>
 
 <file path=customXml/itemProps1.xml><?xml version="1.0" encoding="utf-8"?>
-<ds:datastoreItem xmlns:ds="http://schemas.openxmlformats.org/officeDocument/2006/customXml" ds:itemID="{C21FFAC0-05A2-416A-B06C-C248395482CF}">
-  <ds:schemaRefs>
-    <ds:schemaRef ds:uri="http://schemas.microsoft.com/sharepoint/v3/contenttype/forms"/>
-  </ds:schemaRefs>
-</ds:datastoreItem>
-</file>
-
-<file path=customXml/itemProps2.xml><?xml version="1.0" encoding="utf-8"?>
 <ds:datastoreItem xmlns:ds="http://schemas.openxmlformats.org/officeDocument/2006/customXml" ds:itemID="{92DB9E12-8AC3-4138-BF4D-720A5525AB10}">
   <ds:schemaRefs>
     <ds:schemaRef ds:uri="http://schemas.microsoft.com/office/2006/metadata/contentType"/>
@@ -19685,6 +19677,14 @@
     <ds:schemaRef ds:uri="http://purl.org/dc/elements/1.1/"/>
     <ds:schemaRef ds:uri="http://purl.org/dc/terms/"/>
     <ds:schemaRef ds:uri="http://schemas.microsoft.com/internal/obd"/>
+  </ds:schemaRefs>
+</ds:datastoreItem>
+</file>
+
+<file path=customXml/itemProps2.xml><?xml version="1.0" encoding="utf-8"?>
+<ds:datastoreItem xmlns:ds="http://schemas.openxmlformats.org/officeDocument/2006/customXml" ds:itemID="{C21FFAC0-05A2-416A-B06C-C248395482CF}">
+  <ds:schemaRefs>
+    <ds:schemaRef ds:uri="http://schemas.microsoft.com/sharepoint/v3/contenttype/forms"/>
   </ds:schemaRefs>
 </ds:datastoreItem>
 </file>
